--- a/추가자료/웹 페이지 제작 실습.pptx
+++ b/추가자료/웹 페이지 제작 실습.pptx
@@ -5,7 +5,7 @@
     <p:sldMasterId id="2147483648" r:id="rId1"/>
   </p:sldMasterIdLst>
   <p:notesMasterIdLst>
-    <p:notesMasterId r:id="rId16"/>
+    <p:notesMasterId r:id="rId17"/>
   </p:notesMasterIdLst>
   <p:sldIdLst>
     <p:sldId id="265" r:id="rId2"/>
@@ -18,10 +18,11 @@
     <p:sldId id="286" r:id="rId9"/>
     <p:sldId id="287" r:id="rId10"/>
     <p:sldId id="288" r:id="rId11"/>
-    <p:sldId id="289" r:id="rId12"/>
-    <p:sldId id="290" r:id="rId13"/>
-    <p:sldId id="291" r:id="rId14"/>
-    <p:sldId id="274" r:id="rId15"/>
+    <p:sldId id="292" r:id="rId12"/>
+    <p:sldId id="289" r:id="rId13"/>
+    <p:sldId id="290" r:id="rId14"/>
+    <p:sldId id="291" r:id="rId15"/>
+    <p:sldId id="274" r:id="rId16"/>
   </p:sldIdLst>
   <p:sldSz cx="12192000" cy="6858000"/>
   <p:notesSz cx="6858000" cy="9144000"/>
@@ -221,7 +222,7 @@
           <a:p>
             <a:fld id="{5AA9562C-79DD-4A8D-BE1D-6F8625BCFFE8}" type="datetimeFigureOut">
               <a:rPr lang="ko-KR" altLang="en-US" smtClean="0"/>
-              <a:t>2019-04-30</a:t>
+              <a:t>2019-05-07</a:t>
             </a:fld>
             <a:endParaRPr lang="ko-KR" altLang="en-US"/>
           </a:p>
@@ -620,7 +621,7 @@
           <a:p>
             <a:fld id="{6E28F81A-0F75-4518-9F3E-C4F3859EB2F3}" type="datetime1">
               <a:rPr lang="ko-KR" altLang="en-US" smtClean="0"/>
-              <a:t>2019-04-30</a:t>
+              <a:t>2019-05-07</a:t>
             </a:fld>
             <a:endParaRPr lang="ko-KR" altLang="en-US"/>
           </a:p>
@@ -797,7 +798,7 @@
           <a:p>
             <a:fld id="{58F6B671-533D-419F-AB30-469C7350B345}" type="datetime1">
               <a:rPr lang="ko-KR" altLang="en-US" smtClean="0"/>
-              <a:t>2019-04-30</a:t>
+              <a:t>2019-05-07</a:t>
             </a:fld>
             <a:endParaRPr lang="ko-KR" altLang="en-US"/>
           </a:p>
@@ -977,7 +978,7 @@
           <a:p>
             <a:fld id="{2869C467-2FE4-4A88-BE65-5FEE8F8A1804}" type="datetime1">
               <a:rPr lang="ko-KR" altLang="en-US" smtClean="0"/>
-              <a:t>2019-04-30</a:t>
+              <a:t>2019-05-07</a:t>
             </a:fld>
             <a:endParaRPr lang="ko-KR" altLang="en-US"/>
           </a:p>
@@ -1147,7 +1148,7 @@
           <a:p>
             <a:fld id="{58F8EF63-4288-40B9-9BC0-4B3BA3DCF6C4}" type="datetime1">
               <a:rPr lang="ko-KR" altLang="en-US" smtClean="0"/>
-              <a:t>2019-04-30</a:t>
+              <a:t>2019-05-07</a:t>
             </a:fld>
             <a:endParaRPr lang="ko-KR" altLang="en-US"/>
           </a:p>
@@ -1400,7 +1401,7 @@
           <a:p>
             <a:fld id="{20FA6268-74FA-422C-A827-12E595090E00}" type="datetime1">
               <a:rPr lang="ko-KR" altLang="en-US" smtClean="0"/>
-              <a:t>2019-04-30</a:t>
+              <a:t>2019-05-07</a:t>
             </a:fld>
             <a:endParaRPr lang="ko-KR" altLang="en-US"/>
           </a:p>
@@ -1632,7 +1633,7 @@
           <a:p>
             <a:fld id="{5D5705B2-EE15-4E6F-9173-F102FD228D10}" type="datetime1">
               <a:rPr lang="ko-KR" altLang="en-US" smtClean="0"/>
-              <a:t>2019-04-30</a:t>
+              <a:t>2019-05-07</a:t>
             </a:fld>
             <a:endParaRPr lang="ko-KR" altLang="en-US"/>
           </a:p>
@@ -1999,7 +2000,7 @@
           <a:p>
             <a:fld id="{0F1DE969-2F0C-465D-AA61-6A2A62D5D8A2}" type="datetime1">
               <a:rPr lang="ko-KR" altLang="en-US" smtClean="0"/>
-              <a:t>2019-04-30</a:t>
+              <a:t>2019-05-07</a:t>
             </a:fld>
             <a:endParaRPr lang="ko-KR" altLang="en-US"/>
           </a:p>
@@ -2117,7 +2118,7 @@
           <a:p>
             <a:fld id="{89C2CF1B-A003-42D2-88E1-8504CA4E0C8E}" type="datetime1">
               <a:rPr lang="ko-KR" altLang="en-US" smtClean="0"/>
-              <a:t>2019-04-30</a:t>
+              <a:t>2019-05-07</a:t>
             </a:fld>
             <a:endParaRPr lang="ko-KR" altLang="en-US"/>
           </a:p>
@@ -2212,7 +2213,7 @@
           <a:p>
             <a:fld id="{8498EDEF-4C5F-4211-BA0D-0C48D1C30471}" type="datetime1">
               <a:rPr lang="ko-KR" altLang="en-US" smtClean="0"/>
-              <a:t>2019-04-30</a:t>
+              <a:t>2019-05-07</a:t>
             </a:fld>
             <a:endParaRPr lang="ko-KR" altLang="en-US"/>
           </a:p>
@@ -2489,7 +2490,7 @@
           <a:p>
             <a:fld id="{FF217505-6546-4C62-9676-A50CFE73A407}" type="datetime1">
               <a:rPr lang="ko-KR" altLang="en-US" smtClean="0"/>
-              <a:t>2019-04-30</a:t>
+              <a:t>2019-05-07</a:t>
             </a:fld>
             <a:endParaRPr lang="ko-KR" altLang="en-US"/>
           </a:p>
@@ -2742,7 +2743,7 @@
           <a:p>
             <a:fld id="{F762680B-27E2-431F-8D70-A5A071785EBD}" type="datetime1">
               <a:rPr lang="ko-KR" altLang="en-US" smtClean="0"/>
-              <a:t>2019-04-30</a:t>
+              <a:t>2019-05-07</a:t>
             </a:fld>
             <a:endParaRPr lang="ko-KR" altLang="en-US"/>
           </a:p>
@@ -2955,7 +2956,7 @@
           <a:p>
             <a:fld id="{7E99820A-345B-4F23-B347-4030C9092170}" type="datetime1">
               <a:rPr lang="ko-KR" altLang="en-US" smtClean="0"/>
-              <a:t>2019-04-30</a:t>
+              <a:t>2019-05-07</a:t>
             </a:fld>
             <a:endParaRPr lang="ko-KR" altLang="en-US"/>
           </a:p>
@@ -3686,17 +3687,8 @@
               <a:rPr lang="en-US" altLang="ko-KR" dirty="0" smtClean="0">
                 <a:latin typeface="+mn-ea"/>
               </a:rPr>
-              <a:t>: 2019. 04. </a:t>
-            </a:r>
-            <a:r>
-              <a:rPr lang="en-US" altLang="ko-KR" dirty="0" smtClean="0">
-                <a:latin typeface="+mn-ea"/>
-              </a:rPr>
-              <a:t>30</a:t>
-            </a:r>
-            <a:endParaRPr lang="en-US" altLang="ko-KR" dirty="0" smtClean="0">
-              <a:latin typeface="+mn-ea"/>
-            </a:endParaRPr>
+              <a:t>: 2019. 04. 30</a:t>
+            </a:r>
           </a:p>
           <a:p>
             <a:pPr>
@@ -4279,12 +4271,32 @@
               </a:lnSpc>
             </a:pPr>
             <a:r>
+              <a:rPr lang="en-US" altLang="ko-KR" sz="2000" b="1" dirty="0"/>
+              <a:t>3</a:t>
+            </a:r>
+            <a:r>
               <a:rPr lang="en-US" altLang="ko-KR" sz="2000" b="1" dirty="0" smtClean="0"/>
-              <a:t>4. Ajax &amp; Pagination </a:t>
+              <a:t>. </a:t>
             </a:r>
             <a:r>
               <a:rPr lang="ko-KR" altLang="en-US" sz="2000" b="1" dirty="0" smtClean="0"/>
-              <a:t>렌더링</a:t>
+              <a:t>이미지 </a:t>
+            </a:r>
+            <a:r>
+              <a:rPr lang="en-US" altLang="ko-KR" sz="2000" b="1" dirty="0" smtClean="0"/>
+              <a:t>Gallery </a:t>
+            </a:r>
+            <a:r>
+              <a:rPr lang="ko-KR" altLang="en-US" sz="2000" b="1" dirty="0" smtClean="0"/>
+              <a:t>만들기 </a:t>
+            </a:r>
+            <a:r>
+              <a:rPr lang="en-US" altLang="ko-KR" sz="2000" b="1" dirty="0" smtClean="0"/>
+              <a:t>&amp; </a:t>
+            </a:r>
+            <a:r>
+              <a:rPr lang="ko-KR" altLang="en-US" sz="2000" b="1" dirty="0" smtClean="0"/>
+              <a:t>파일 업로드</a:t>
             </a:r>
             <a:endParaRPr lang="ko-KR" altLang="en-US" sz="2000" b="1" dirty="0"/>
           </a:p>
@@ -4441,7 +4453,7 @@
         <p:spPr>
           <a:xfrm>
             <a:off x="1452132" y="892953"/>
-            <a:ext cx="830677" cy="400110"/>
+            <a:ext cx="1903085" cy="400110"/>
           </a:xfrm>
           <a:prstGeom prst="rect">
             <a:avLst/>
@@ -4460,8 +4472,8 @@
               </a:lnSpc>
             </a:pPr>
             <a:r>
-              <a:rPr lang="en-US" altLang="ko-KR" sz="2000" b="1" dirty="0" smtClean="0"/>
-              <a:t>Ajax?</a:t>
+              <a:rPr lang="ko-KR" altLang="en-US" sz="2000" b="1" dirty="0" smtClean="0"/>
+              <a:t>기타 검색 자료</a:t>
             </a:r>
             <a:endParaRPr lang="ko-KR" altLang="en-US" sz="2000" b="1" dirty="0"/>
           </a:p>
@@ -4514,7 +4526,7 @@
         <p:spPr>
           <a:xfrm>
             <a:off x="865555" y="1475626"/>
-            <a:ext cx="1571264" cy="461665"/>
+            <a:ext cx="11109131" cy="2308324"/>
           </a:xfrm>
           <a:prstGeom prst="rect">
             <a:avLst/>
@@ -4535,9 +4547,114 @@
               <a:buChar char="-"/>
             </a:pPr>
             <a:r>
+              <a:rPr lang="en-US" altLang="ko-KR" sz="1600" dirty="0" smtClean="0"/>
+              <a:t>jQuery Preview </a:t>
+            </a:r>
+            <a:r>
               <a:rPr lang="ko-KR" altLang="en-US" sz="1600" dirty="0" smtClean="0"/>
-              <a:t>내용 준비중</a:t>
-            </a:r>
+              <a:t>만들기</a:t>
+            </a:r>
+            <a:r>
+              <a:rPr lang="en-US" altLang="ko-KR" sz="1600" dirty="0" smtClean="0"/>
+              <a:t>: </a:t>
+            </a:r>
+            <a:r>
+              <a:rPr lang="en-US" altLang="ko-KR" sz="1200" dirty="0">
+                <a:hlinkClick r:id="rId3"/>
+              </a:rPr>
+              <a:t>https://</a:t>
+            </a:r>
+            <a:r>
+              <a:rPr lang="en-US" altLang="ko-KR" sz="1200" dirty="0" smtClean="0">
+                <a:hlinkClick r:id="rId3"/>
+              </a:rPr>
+              <a:t>stackoverflow.com/questions/4459379/preview-an-image-before-it-is-uploaded</a:t>
+            </a:r>
+            <a:endParaRPr lang="en-US" altLang="ko-KR" sz="1200" dirty="0" smtClean="0"/>
+          </a:p>
+          <a:p>
+            <a:pPr marL="285750" indent="-285750">
+              <a:lnSpc>
+                <a:spcPct val="150000"/>
+              </a:lnSpc>
+              <a:buFontTx/>
+              <a:buChar char="-"/>
+            </a:pPr>
+            <a:r>
+              <a:rPr lang="en-US" altLang="ko-KR" sz="1600" dirty="0" smtClean="0"/>
+              <a:t>PHP </a:t>
+            </a:r>
+            <a:r>
+              <a:rPr lang="ko-KR" altLang="en-US" sz="1600" dirty="0" smtClean="0"/>
+              <a:t>파일 업로드하기 </a:t>
+            </a:r>
+            <a:r>
+              <a:rPr lang="en-US" altLang="ko-KR" sz="1600" dirty="0" smtClean="0"/>
+              <a:t/>
+            </a:r>
+            <a:br>
+              <a:rPr lang="en-US" altLang="ko-KR" sz="1600" dirty="0" smtClean="0"/>
+            </a:br>
+            <a:r>
+              <a:rPr lang="en-US" altLang="ko-KR" sz="1600" dirty="0" smtClean="0"/>
+              <a:t>: </a:t>
+            </a:r>
+            <a:r>
+              <a:rPr lang="en-US" altLang="ko-KR" sz="1200" dirty="0">
+                <a:hlinkClick r:id="rId4"/>
+              </a:rPr>
+              <a:t>https://zetawiki.com/wiki/PHP_%ED%8C%8C%EC%9D%BC_%EC%97%85%EB%A1%9C%EB%93%9C_%</a:t>
+            </a:r>
+            <a:r>
+              <a:rPr lang="en-US" altLang="ko-KR" sz="1200" dirty="0" smtClean="0">
+                <a:hlinkClick r:id="rId4"/>
+              </a:rPr>
+              <a:t>EA%B5%AC%ED%98%84</a:t>
+            </a:r>
+            <a:endParaRPr lang="en-US" altLang="ko-KR" sz="1200" dirty="0" smtClean="0"/>
+          </a:p>
+          <a:p>
+            <a:pPr marL="285750" indent="-285750">
+              <a:lnSpc>
+                <a:spcPct val="150000"/>
+              </a:lnSpc>
+              <a:buFontTx/>
+              <a:buChar char="-"/>
+            </a:pPr>
+            <a:r>
+              <a:rPr lang="ko-KR" altLang="en-US" sz="1600" dirty="0" smtClean="0"/>
+              <a:t>파일 복사하기 </a:t>
+            </a:r>
+            <a:r>
+              <a:rPr lang="en-US" altLang="ko-KR" sz="1600" dirty="0" smtClean="0"/>
+              <a:t/>
+            </a:r>
+            <a:br>
+              <a:rPr lang="en-US" altLang="ko-KR" sz="1600" dirty="0" smtClean="0"/>
+            </a:br>
+            <a:r>
+              <a:rPr lang="en-US" altLang="ko-KR" sz="1600" dirty="0" smtClean="0"/>
+              <a:t>: </a:t>
+            </a:r>
+            <a:r>
+              <a:rPr lang="en-US" altLang="ko-KR" sz="1100" dirty="0">
+                <a:hlinkClick r:id="rId5"/>
+              </a:rPr>
+              <a:t>https://blog.habonyphp.com/entry/php-%ED%8C%8C%EC%9D%BC-%EC%9D%B4%EB%8F%99-%EB%B3%B5%EC%82%AC-%ED%95%A8%EC%88%98#.</a:t>
+            </a:r>
+            <a:r>
+              <a:rPr lang="en-US" altLang="ko-KR" sz="1100" dirty="0" smtClean="0">
+                <a:hlinkClick r:id="rId5"/>
+              </a:rPr>
+              <a:t>XNDfyo4zYuU</a:t>
+            </a:r>
+            <a:r>
+              <a:rPr lang="en-US" altLang="ko-KR" sz="1100" dirty="0" smtClean="0"/>
+              <a:t/>
+            </a:r>
+            <a:br>
+              <a:rPr lang="en-US" altLang="ko-KR" sz="1100" dirty="0" smtClean="0"/>
+            </a:br>
             <a:endParaRPr lang="en-US" altLang="ko-KR" sz="1600" dirty="0" smtClean="0"/>
           </a:p>
         </p:txBody>
@@ -4545,7 +4662,7 @@
     </p:spTree>
     <p:extLst>
       <p:ext uri="{BB962C8B-B14F-4D97-AF65-F5344CB8AC3E}">
-        <p14:creationId xmlns:p14="http://schemas.microsoft.com/office/powerpoint/2010/main" val="2280870149"/>
+        <p14:creationId xmlns:p14="http://schemas.microsoft.com/office/powerpoint/2010/main" val="1424777002"/>
       </p:ext>
     </p:extLst>
   </p:cSld>
@@ -4627,15 +4744,11 @@
             </a:pPr>
             <a:r>
               <a:rPr lang="en-US" altLang="ko-KR" sz="2000" b="1" dirty="0" smtClean="0"/>
-              <a:t>5</a:t>
-            </a:r>
-            <a:r>
-              <a:rPr lang="en-US" altLang="ko-KR" sz="2000" b="1" dirty="0" smtClean="0"/>
-              <a:t>. Google Map </a:t>
+              <a:t>4. Ajax &amp; Pagination </a:t>
             </a:r>
             <a:r>
               <a:rPr lang="ko-KR" altLang="en-US" sz="2000" b="1" dirty="0" smtClean="0"/>
-              <a:t>사용하기</a:t>
+              <a:t>렌더링</a:t>
             </a:r>
             <a:endParaRPr lang="ko-KR" altLang="en-US" sz="2000" b="1" dirty="0"/>
           </a:p>
@@ -4792,7 +4905,7 @@
         <p:spPr>
           <a:xfrm>
             <a:off x="1452132" y="892953"/>
-            <a:ext cx="2204450" cy="400110"/>
+            <a:ext cx="830677" cy="400110"/>
           </a:xfrm>
           <a:prstGeom prst="rect">
             <a:avLst/>
@@ -4812,7 +4925,7 @@
             </a:pPr>
             <a:r>
               <a:rPr lang="en-US" altLang="ko-KR" sz="2000" b="1" dirty="0" smtClean="0"/>
-              <a:t>Google Map API</a:t>
+              <a:t>Ajax?</a:t>
             </a:r>
             <a:endParaRPr lang="ko-KR" altLang="en-US" sz="2000" b="1" dirty="0"/>
           </a:p>
@@ -4865,7 +4978,7 @@
         <p:spPr>
           <a:xfrm>
             <a:off x="865555" y="1475626"/>
-            <a:ext cx="7387150" cy="461665"/>
+            <a:ext cx="1571264" cy="461665"/>
           </a:xfrm>
           <a:prstGeom prst="rect">
             <a:avLst/>
@@ -4886,14 +4999,8 @@
               <a:buChar char="-"/>
             </a:pPr>
             <a:r>
-              <a:rPr lang="en-US" altLang="ko-KR" sz="1600" dirty="0" smtClean="0"/>
-              <a:t>Google Map jQuery Plug in : </a:t>
-            </a:r>
-            <a:r>
-              <a:rPr lang="en-US" altLang="ko-KR" sz="1600" dirty="0">
-                <a:hlinkClick r:id="rId3"/>
-              </a:rPr>
-              <a:t>https://tilotiti.github.io/jQuery-Google-Map/</a:t>
+              <a:rPr lang="ko-KR" altLang="en-US" sz="1600" dirty="0" smtClean="0"/>
+              <a:t>내용 준비중</a:t>
             </a:r>
             <a:endParaRPr lang="en-US" altLang="ko-KR" sz="1600" dirty="0" smtClean="0"/>
           </a:p>
@@ -4902,7 +5009,7 @@
     </p:spTree>
     <p:extLst>
       <p:ext uri="{BB962C8B-B14F-4D97-AF65-F5344CB8AC3E}">
-        <p14:creationId xmlns:p14="http://schemas.microsoft.com/office/powerpoint/2010/main" val="988877686"/>
+        <p14:creationId xmlns:p14="http://schemas.microsoft.com/office/powerpoint/2010/main" val="2280870149"/>
       </p:ext>
     </p:extLst>
   </p:cSld>
@@ -4983,6 +5090,359 @@
               </a:lnSpc>
             </a:pPr>
             <a:r>
+              <a:rPr lang="en-US" altLang="ko-KR" sz="2000" b="1" dirty="0" smtClean="0"/>
+              <a:t>5. Google Map </a:t>
+            </a:r>
+            <a:r>
+              <a:rPr lang="ko-KR" altLang="en-US" sz="2000" b="1" dirty="0" smtClean="0"/>
+              <a:t>사용하기</a:t>
+            </a:r>
+            <a:endParaRPr lang="ko-KR" altLang="en-US" sz="2000" b="1" dirty="0"/>
+          </a:p>
+        </p:txBody>
+      </p:sp>
+      <p:pic>
+        <p:nvPicPr>
+          <p:cNvPr id="7" name="그림 6"/>
+          <p:cNvPicPr>
+            <a:picLocks noChangeAspect="1"/>
+          </p:cNvPicPr>
+          <p:nvPr/>
+        </p:nvPicPr>
+        <p:blipFill>
+          <a:blip r:embed="rId2" cstate="print">
+            <a:extLst>
+              <a:ext uri="{28A0092B-C50C-407E-A947-70E740481C1C}">
+                <a14:useLocalDpi xmlns:a14="http://schemas.microsoft.com/office/drawing/2010/main" val="0"/>
+              </a:ext>
+            </a:extLst>
+          </a:blip>
+          <a:stretch>
+            <a:fillRect/>
+          </a:stretch>
+        </p:blipFill>
+        <p:spPr>
+          <a:xfrm>
+            <a:off x="50800" y="-190500"/>
+            <a:ext cx="1714500" cy="1026960"/>
+          </a:xfrm>
+          <a:prstGeom prst="rect">
+            <a:avLst/>
+          </a:prstGeom>
+        </p:spPr>
+      </p:pic>
+      <p:cxnSp>
+        <p:nvCxnSpPr>
+          <p:cNvPr id="9" name="직선 연결선 8"/>
+          <p:cNvCxnSpPr/>
+          <p:nvPr/>
+        </p:nvCxnSpPr>
+        <p:spPr>
+          <a:xfrm>
+            <a:off x="1765300" y="322980"/>
+            <a:ext cx="10360025" cy="0"/>
+          </a:xfrm>
+          <a:prstGeom prst="line">
+            <a:avLst/>
+          </a:prstGeom>
+          <a:ln w="28575">
+            <a:solidFill>
+              <a:schemeClr val="bg2">
+                <a:lumMod val="50000"/>
+                <a:alpha val="80000"/>
+              </a:schemeClr>
+            </a:solidFill>
+          </a:ln>
+        </p:spPr>
+        <p:style>
+          <a:lnRef idx="3">
+            <a:schemeClr val="accent5"/>
+          </a:lnRef>
+          <a:fillRef idx="0">
+            <a:schemeClr val="accent5"/>
+          </a:fillRef>
+          <a:effectRef idx="2">
+            <a:schemeClr val="accent5"/>
+          </a:effectRef>
+          <a:fontRef idx="minor">
+            <a:schemeClr val="tx1"/>
+          </a:fontRef>
+        </p:style>
+      </p:cxnSp>
+      <p:sp>
+        <p:nvSpPr>
+          <p:cNvPr id="4" name="슬라이드 번호 개체 틀 3"/>
+          <p:cNvSpPr>
+            <a:spLocks noGrp="1"/>
+          </p:cNvSpPr>
+          <p:nvPr>
+            <p:ph type="sldNum" sz="quarter" idx="12"/>
+          </p:nvPr>
+        </p:nvSpPr>
+        <p:spPr>
+          <a:xfrm>
+            <a:off x="11499849" y="6446837"/>
+            <a:ext cx="590551" cy="365125"/>
+          </a:xfrm>
+        </p:spPr>
+        <p:txBody>
+          <a:bodyPr/>
+          <a:lstStyle/>
+          <a:p>
+            <a:r>
+              <a:rPr lang="en-US" altLang="ko-KR" dirty="0" smtClean="0"/>
+              <a:t>2/17</a:t>
+            </a:r>
+            <a:endParaRPr lang="ko-KR" altLang="en-US" dirty="0"/>
+          </a:p>
+        </p:txBody>
+      </p:sp>
+      <p:sp>
+        <p:nvSpPr>
+          <p:cNvPr id="13" name="직사각형 12"/>
+          <p:cNvSpPr/>
+          <p:nvPr/>
+        </p:nvSpPr>
+        <p:spPr>
+          <a:xfrm>
+            <a:off x="865555" y="978211"/>
+            <a:ext cx="247650" cy="247650"/>
+          </a:xfrm>
+          <a:prstGeom prst="rect">
+            <a:avLst/>
+          </a:prstGeom>
+          <a:solidFill>
+            <a:srgbClr val="B0B7C1"/>
+          </a:solidFill>
+          <a:ln>
+            <a:noFill/>
+          </a:ln>
+        </p:spPr>
+        <p:style>
+          <a:lnRef idx="2">
+            <a:schemeClr val="accent1">
+              <a:shade val="50000"/>
+            </a:schemeClr>
+          </a:lnRef>
+          <a:fillRef idx="1">
+            <a:schemeClr val="accent1"/>
+          </a:fillRef>
+          <a:effectRef idx="0">
+            <a:schemeClr val="accent1"/>
+          </a:effectRef>
+          <a:fontRef idx="minor">
+            <a:schemeClr val="lt1"/>
+          </a:fontRef>
+        </p:style>
+        <p:txBody>
+          <a:bodyPr rtlCol="0" anchor="ctr"/>
+          <a:lstStyle/>
+          <a:p>
+            <a:pPr algn="ctr"/>
+            <a:endParaRPr lang="ko-KR" altLang="en-US"/>
+          </a:p>
+        </p:txBody>
+      </p:sp>
+      <p:sp>
+        <p:nvSpPr>
+          <p:cNvPr id="19" name="TextBox 18"/>
+          <p:cNvSpPr txBox="1"/>
+          <p:nvPr/>
+        </p:nvSpPr>
+        <p:spPr>
+          <a:xfrm>
+            <a:off x="1452132" y="892953"/>
+            <a:ext cx="2204450" cy="400110"/>
+          </a:xfrm>
+          <a:prstGeom prst="rect">
+            <a:avLst/>
+          </a:prstGeom>
+          <a:noFill/>
+        </p:spPr>
+        <p:txBody>
+          <a:bodyPr wrap="none" rtlCol="0">
+            <a:spAutoFit/>
+          </a:bodyPr>
+          <a:lstStyle/>
+          <a:p>
+            <a:pPr>
+              <a:lnSpc>
+                <a:spcPct val="100000"/>
+              </a:lnSpc>
+            </a:pPr>
+            <a:r>
+              <a:rPr lang="en-US" altLang="ko-KR" sz="2000" b="1" dirty="0" smtClean="0"/>
+              <a:t>Google Map API</a:t>
+            </a:r>
+            <a:endParaRPr lang="ko-KR" altLang="en-US" sz="2000" b="1" dirty="0"/>
+          </a:p>
+        </p:txBody>
+      </p:sp>
+      <p:cxnSp>
+        <p:nvCxnSpPr>
+          <p:cNvPr id="23" name="직선 연결선 22"/>
+          <p:cNvCxnSpPr/>
+          <p:nvPr/>
+        </p:nvCxnSpPr>
+        <p:spPr>
+          <a:xfrm>
+            <a:off x="50800" y="6629400"/>
+            <a:ext cx="11483975" cy="0"/>
+          </a:xfrm>
+          <a:prstGeom prst="line">
+            <a:avLst/>
+          </a:prstGeom>
+          <a:ln w="28575">
+            <a:solidFill>
+              <a:schemeClr val="bg2">
+                <a:lumMod val="50000"/>
+                <a:alpha val="80000"/>
+              </a:schemeClr>
+            </a:solidFill>
+          </a:ln>
+        </p:spPr>
+        <p:style>
+          <a:lnRef idx="3">
+            <a:schemeClr val="accent5"/>
+          </a:lnRef>
+          <a:fillRef idx="0">
+            <a:schemeClr val="accent5"/>
+          </a:fillRef>
+          <a:effectRef idx="2">
+            <a:schemeClr val="accent5"/>
+          </a:effectRef>
+          <a:fontRef idx="minor">
+            <a:schemeClr val="tx1"/>
+          </a:fontRef>
+        </p:style>
+      </p:cxnSp>
+      <p:sp>
+        <p:nvSpPr>
+          <p:cNvPr id="3" name="TextBox 2"/>
+          <p:cNvSpPr txBox="1"/>
+          <p:nvPr/>
+        </p:nvSpPr>
+        <p:spPr>
+          <a:xfrm>
+            <a:off x="865555" y="1475626"/>
+            <a:ext cx="7387150" cy="461665"/>
+          </a:xfrm>
+          <a:prstGeom prst="rect">
+            <a:avLst/>
+          </a:prstGeom>
+          <a:noFill/>
+        </p:spPr>
+        <p:txBody>
+          <a:bodyPr wrap="none" rtlCol="0">
+            <a:spAutoFit/>
+          </a:bodyPr>
+          <a:lstStyle/>
+          <a:p>
+            <a:pPr marL="285750" indent="-285750">
+              <a:lnSpc>
+                <a:spcPct val="150000"/>
+              </a:lnSpc>
+              <a:buFontTx/>
+              <a:buChar char="-"/>
+            </a:pPr>
+            <a:r>
+              <a:rPr lang="en-US" altLang="ko-KR" sz="1600" dirty="0" smtClean="0"/>
+              <a:t>Google Map jQuery Plug in : </a:t>
+            </a:r>
+            <a:r>
+              <a:rPr lang="en-US" altLang="ko-KR" sz="1600" dirty="0">
+                <a:hlinkClick r:id="rId3"/>
+              </a:rPr>
+              <a:t>https://tilotiti.github.io/jQuery-Google-Map/</a:t>
+            </a:r>
+            <a:endParaRPr lang="en-US" altLang="ko-KR" sz="1600" dirty="0" smtClean="0"/>
+          </a:p>
+        </p:txBody>
+      </p:sp>
+    </p:spTree>
+    <p:extLst>
+      <p:ext uri="{BB962C8B-B14F-4D97-AF65-F5344CB8AC3E}">
+        <p14:creationId xmlns:p14="http://schemas.microsoft.com/office/powerpoint/2010/main" val="988877686"/>
+      </p:ext>
+    </p:extLst>
+  </p:cSld>
+  <p:clrMapOvr>
+    <a:masterClrMapping/>
+  </p:clrMapOvr>
+  <p:timing>
+    <p:tnLst>
+      <p:par>
+        <p:cTn id="1" dur="indefinite" restart="never" nodeType="tmRoot"/>
+      </p:par>
+    </p:tnLst>
+  </p:timing>
+</p:sld>
+</file>
+
+<file path=ppt/slides/slide14.xml><?xml version="1.0" encoding="utf-8"?>
+<p:sld xmlns:a="http://schemas.openxmlformats.org/drawingml/2006/main" xmlns:r="http://schemas.openxmlformats.org/officeDocument/2006/relationships" xmlns:p="http://schemas.openxmlformats.org/presentationml/2006/main">
+  <p:cSld>
+    <p:spTree>
+      <p:nvGrpSpPr>
+        <p:cNvPr id="1" name=""/>
+        <p:cNvGrpSpPr/>
+        <p:nvPr/>
+      </p:nvGrpSpPr>
+      <p:grpSpPr>
+        <a:xfrm>
+          <a:off x="0" y="0"/>
+          <a:ext cx="0" cy="0"/>
+          <a:chOff x="0" y="0"/>
+          <a:chExt cx="0" cy="0"/>
+        </a:xfrm>
+      </p:grpSpPr>
+      <p:sp>
+        <p:nvSpPr>
+          <p:cNvPr id="6" name="제목 1"/>
+          <p:cNvSpPr txBox="1">
+            <a:spLocks/>
+          </p:cNvSpPr>
+          <p:nvPr/>
+        </p:nvSpPr>
+        <p:spPr>
+          <a:xfrm>
+            <a:off x="1765300" y="320370"/>
+            <a:ext cx="9518650" cy="445370"/>
+          </a:xfrm>
+          <a:prstGeom prst="rect">
+            <a:avLst/>
+          </a:prstGeom>
+        </p:spPr>
+        <p:txBody>
+          <a:bodyPr vert="horz" lIns="91440" tIns="45720" rIns="91440" bIns="45720" rtlCol="0" anchor="ctr">
+            <a:normAutofit/>
+          </a:bodyPr>
+          <a:lstStyle>
+            <a:lvl1pPr algn="l" defTabSz="914400" rtl="0" eaLnBrk="1" latinLnBrk="1" hangingPunct="1">
+              <a:lnSpc>
+                <a:spcPct val="90000"/>
+              </a:lnSpc>
+              <a:spcBef>
+                <a:spcPct val="0"/>
+              </a:spcBef>
+              <a:buNone/>
+              <a:defRPr sz="4400" kern="1200">
+                <a:solidFill>
+                  <a:schemeClr val="tx1"/>
+                </a:solidFill>
+                <a:latin typeface="+mj-lt"/>
+                <a:ea typeface="+mj-ea"/>
+                <a:cs typeface="+mj-cs"/>
+              </a:defRPr>
+            </a:lvl1pPr>
+          </a:lstStyle>
+          <a:p>
+            <a:pPr>
+              <a:lnSpc>
+                <a:spcPct val="100000"/>
+              </a:lnSpc>
+            </a:pPr>
+            <a:r>
               <a:rPr lang="en-US" altLang="ko-KR" sz="2000" b="1" dirty="0"/>
               <a:t>6</a:t>
             </a:r>
@@ -5274,7 +5734,7 @@
 </p:sld>
 </file>
 
-<file path=ppt/slides/slide14.xml><?xml version="1.0" encoding="utf-8"?>
+<file path=ppt/slides/slide15.xml><?xml version="1.0" encoding="utf-8"?>
 <p:sld xmlns:a="http://schemas.openxmlformats.org/drawingml/2006/main" xmlns:r="http://schemas.openxmlformats.org/officeDocument/2006/relationships" xmlns:p="http://schemas.openxmlformats.org/presentationml/2006/main">
   <p:cSld>
     <p:spTree>
@@ -5795,15 +6255,7 @@
                   <a:schemeClr val="bg1"/>
                 </a:solidFill>
               </a:rPr>
-              <a:t>. </a:t>
-            </a:r>
-            <a:r>
-              <a:rPr lang="en-US" altLang="ko-KR" b="1" dirty="0" smtClean="0">
-                <a:solidFill>
-                  <a:schemeClr val="bg1"/>
-                </a:solidFill>
-              </a:rPr>
-              <a:t>Popup </a:t>
+              <a:t>. Popup </a:t>
             </a:r>
             <a:r>
               <a:rPr lang="ko-KR" altLang="en-US" b="1" dirty="0" smtClean="0">
@@ -5899,11 +6351,6 @@
               </a:rPr>
               <a:t>파일 업로드</a:t>
             </a:r>
-            <a:endParaRPr lang="ko-KR" altLang="en-US" b="1" dirty="0" smtClean="0">
-              <a:solidFill>
-                <a:schemeClr val="bg1"/>
-              </a:solidFill>
-            </a:endParaRPr>
           </a:p>
         </p:txBody>
       </p:sp>
@@ -5943,15 +6390,7 @@
                   <a:schemeClr val="bg1"/>
                 </a:solidFill>
               </a:rPr>
-              <a:t>. </a:t>
-            </a:r>
-            <a:r>
-              <a:rPr lang="en-US" altLang="ko-KR" b="1" dirty="0" smtClean="0">
-                <a:solidFill>
-                  <a:schemeClr val="bg1"/>
-                </a:solidFill>
-              </a:rPr>
-              <a:t>Ajax </a:t>
+              <a:t>. Ajax </a:t>
             </a:r>
             <a:r>
               <a:rPr lang="ko-KR" altLang="en-US" b="1" dirty="0" smtClean="0">
@@ -6013,15 +6452,7 @@
                   <a:schemeClr val="bg1"/>
                 </a:solidFill>
               </a:rPr>
-              <a:t>6. </a:t>
-            </a:r>
-            <a:r>
-              <a:rPr lang="en-US" altLang="ko-KR" b="1" dirty="0" smtClean="0">
-                <a:solidFill>
-                  <a:schemeClr val="bg1"/>
-                </a:solidFill>
-              </a:rPr>
-              <a:t>REST API </a:t>
+              <a:t>6. REST API </a:t>
             </a:r>
             <a:r>
               <a:rPr lang="ko-KR" altLang="en-US" b="1" dirty="0" smtClean="0">
@@ -6067,15 +6498,7 @@
                   <a:schemeClr val="bg1"/>
                 </a:solidFill>
               </a:rPr>
-              <a:t>5. </a:t>
-            </a:r>
-            <a:r>
-              <a:rPr lang="en-US" altLang="ko-KR" b="1" dirty="0" smtClean="0">
-                <a:solidFill>
-                  <a:schemeClr val="bg1"/>
-                </a:solidFill>
-              </a:rPr>
-              <a:t>Google Map </a:t>
+              <a:t>5. Google Map </a:t>
             </a:r>
             <a:r>
               <a:rPr lang="ko-KR" altLang="en-US" b="1" dirty="0" smtClean="0">
@@ -8921,11 +9344,7 @@
             </a:pPr>
             <a:r>
               <a:rPr lang="en-US" altLang="ko-KR" sz="2000" b="1" dirty="0" smtClean="0"/>
-              <a:t>2. </a:t>
-            </a:r>
-            <a:r>
-              <a:rPr lang="en-US" altLang="ko-KR" sz="2000" b="1" dirty="0" smtClean="0"/>
-              <a:t>popup</a:t>
+              <a:t>2. popup</a:t>
             </a:r>
             <a:r>
               <a:rPr lang="ko-KR" altLang="en-US" sz="2000" b="1" dirty="0" smtClean="0"/>
@@ -9460,11 +9879,7 @@
             </a:pPr>
             <a:r>
               <a:rPr lang="en-US" altLang="ko-KR" sz="2000" b="1" dirty="0" smtClean="0"/>
-              <a:t>2. </a:t>
-            </a:r>
-            <a:r>
-              <a:rPr lang="en-US" altLang="ko-KR" sz="2000" b="1" dirty="0" smtClean="0"/>
-              <a:t>popup</a:t>
+              <a:t>2. popup</a:t>
             </a:r>
             <a:r>
               <a:rPr lang="ko-KR" altLang="en-US" sz="2000" b="1" dirty="0" smtClean="0"/>
